--- a/일정/01_27.pptx
+++ b/일정/01_27.pptx
@@ -107,6 +107,11 @@
       </a:defRPr>
     </a:lvl9pPr>
   </p:defaultTextStyle>
+  <p:extLst>
+    <p:ext uri="{EFAFB233-063F-42B5-8137-9DF3F51BA10A}">
+      <p15:sldGuideLst xmlns:p15="http://schemas.microsoft.com/office/powerpoint/2012/main"/>
+    </p:ext>
+  </p:extLst>
 </p:presentation>
 </file>
 
@@ -3420,12 +3425,14 @@
               <a:rPr lang="en-US" altLang="ko-KR" dirty="0" smtClean="0"/>
               <a:t>)</a:t>
             </a:r>
-          </a:p>
-          <a:p>
-            <a:endParaRPr lang="en-US" altLang="ko-KR" dirty="0"/>
-          </a:p>
-          <a:p>
-            <a:endParaRPr lang="ko-KR" altLang="en-US" dirty="0"/>
+            <a:r>
+              <a:rPr lang="en-US" altLang="ko-KR" dirty="0"/>
+              <a:t/>
+            </a:r>
+            <a:br>
+              <a:rPr lang="en-US" altLang="ko-KR" dirty="0"/>
+            </a:br>
+            <a:endParaRPr lang="en-US" altLang="ko-KR" dirty="0" smtClean="0"/>
           </a:p>
         </p:txBody>
       </p:sp>
@@ -3497,7 +3504,268 @@
           <a:bodyPr/>
           <a:lstStyle/>
           <a:p>
-            <a:endParaRPr lang="ko-KR" altLang="en-US" dirty="0"/>
+            <a:r>
+              <a:rPr lang="ko-KR" altLang="en-US" dirty="0" smtClean="0"/>
+              <a:t>은지 </a:t>
+            </a:r>
+            <a:r>
+              <a:rPr lang="en-US" altLang="ko-KR" dirty="0" smtClean="0"/>
+              <a:t>: collection</a:t>
+            </a:r>
+            <a:r>
+              <a:rPr lang="ko-KR" altLang="en-US" dirty="0" smtClean="0"/>
+              <a:t>을 </a:t>
+            </a:r>
+            <a:r>
+              <a:rPr lang="en-US" altLang="ko-KR" dirty="0" smtClean="0"/>
+              <a:t>writing </a:t>
+            </a:r>
+            <a:r>
+              <a:rPr lang="en-US" altLang="ko-KR" dirty="0" smtClean="0">
+                <a:sym typeface="Wingdings" panose="05000000000000000000" pitchFamily="2" charset="2"/>
+              </a:rPr>
+              <a:t> groups</a:t>
+            </a:r>
+            <a:r>
+              <a:rPr lang="ko-KR" altLang="en-US" dirty="0" smtClean="0">
+                <a:sym typeface="Wingdings" panose="05000000000000000000" pitchFamily="2" charset="2"/>
+              </a:rPr>
+              <a:t>로 바꿔서 </a:t>
+            </a:r>
+            <a:r>
+              <a:rPr lang="ko-KR" altLang="en-US" dirty="0" err="1" smtClean="0">
+                <a:sym typeface="Wingdings" panose="05000000000000000000" pitchFamily="2" charset="2"/>
+              </a:rPr>
+              <a:t>게시글을</a:t>
+            </a:r>
+            <a:r>
+              <a:rPr lang="ko-KR" altLang="en-US" dirty="0">
+                <a:sym typeface="Wingdings" panose="05000000000000000000" pitchFamily="2" charset="2"/>
+              </a:rPr>
+              <a:t> </a:t>
+            </a:r>
+            <a:r>
+              <a:rPr lang="ko-KR" altLang="en-US" dirty="0" err="1" smtClean="0">
+                <a:sym typeface="Wingdings" panose="05000000000000000000" pitchFamily="2" charset="2"/>
+              </a:rPr>
+              <a:t>뿌려줌</a:t>
+            </a:r>
+            <a:r>
+              <a:rPr lang="en-US" altLang="ko-KR" dirty="0" smtClean="0">
+                <a:sym typeface="Wingdings" panose="05000000000000000000" pitchFamily="2" charset="2"/>
+              </a:rPr>
+              <a:t>…. + profile </a:t>
+            </a:r>
+            <a:r>
+              <a:rPr lang="ko-KR" altLang="en-US" dirty="0" smtClean="0">
+                <a:sym typeface="Wingdings" panose="05000000000000000000" pitchFamily="2" charset="2"/>
+              </a:rPr>
+              <a:t>사진 유지가 안되는 오류 수정함</a:t>
+            </a:r>
+            <a:r>
+              <a:rPr lang="en-US" altLang="ko-KR" dirty="0" smtClean="0">
+                <a:sym typeface="Wingdings" panose="05000000000000000000" pitchFamily="2" charset="2"/>
+              </a:rPr>
+              <a:t>.</a:t>
+            </a:r>
+            <a:endParaRPr lang="en-US" altLang="ko-KR" dirty="0">
+              <a:sym typeface="Wingdings" panose="05000000000000000000" pitchFamily="2" charset="2"/>
+            </a:endParaRPr>
+          </a:p>
+          <a:p>
+            <a:r>
+              <a:rPr lang="ko-KR" altLang="en-US" dirty="0" err="1" smtClean="0">
+                <a:sym typeface="Wingdings" panose="05000000000000000000" pitchFamily="2" charset="2"/>
+              </a:rPr>
+              <a:t>종현이형</a:t>
+            </a:r>
+            <a:r>
+              <a:rPr lang="ko-KR" altLang="en-US" dirty="0" smtClean="0">
+                <a:sym typeface="Wingdings" panose="05000000000000000000" pitchFamily="2" charset="2"/>
+              </a:rPr>
+              <a:t> </a:t>
+            </a:r>
+            <a:r>
+              <a:rPr lang="en-US" altLang="ko-KR" dirty="0" smtClean="0">
+                <a:sym typeface="Wingdings" panose="05000000000000000000" pitchFamily="2" charset="2"/>
+              </a:rPr>
+              <a:t>: Search</a:t>
+            </a:r>
+            <a:r>
+              <a:rPr lang="ko-KR" altLang="en-US" dirty="0" smtClean="0">
+                <a:sym typeface="Wingdings" panose="05000000000000000000" pitchFamily="2" charset="2"/>
+              </a:rPr>
+              <a:t>를 </a:t>
+            </a:r>
+            <a:r>
+              <a:rPr lang="ko-KR" altLang="en-US" dirty="0" err="1" smtClean="0">
+                <a:sym typeface="Wingdings" panose="05000000000000000000" pitchFamily="2" charset="2"/>
+              </a:rPr>
+              <a:t>게시글과</a:t>
+            </a:r>
+            <a:r>
+              <a:rPr lang="ko-KR" altLang="en-US" dirty="0" smtClean="0">
+                <a:sym typeface="Wingdings" panose="05000000000000000000" pitchFamily="2" charset="2"/>
+              </a:rPr>
+              <a:t> 연동</a:t>
+            </a:r>
+            <a:r>
+              <a:rPr lang="en-US" altLang="ko-KR" dirty="0" smtClean="0">
+                <a:sym typeface="Wingdings" panose="05000000000000000000" pitchFamily="2" charset="2"/>
+              </a:rPr>
+              <a:t>. Search</a:t>
+            </a:r>
+            <a:r>
+              <a:rPr lang="ko-KR" altLang="en-US" dirty="0" smtClean="0">
+                <a:sym typeface="Wingdings" panose="05000000000000000000" pitchFamily="2" charset="2"/>
+              </a:rPr>
+              <a:t>부분에서 카테고리에 따른 아이콘 변경</a:t>
+            </a:r>
+            <a:r>
+              <a:rPr lang="en-US" altLang="ko-KR" dirty="0" smtClean="0">
+                <a:sym typeface="Wingdings" panose="05000000000000000000" pitchFamily="2" charset="2"/>
+              </a:rPr>
+              <a:t>. </a:t>
+            </a:r>
+            <a:r>
+              <a:rPr lang="ko-KR" altLang="en-US" dirty="0" smtClean="0">
+                <a:sym typeface="Wingdings" panose="05000000000000000000" pitchFamily="2" charset="2"/>
+              </a:rPr>
+              <a:t>검색화면에서 나타나는 결과 </a:t>
+            </a:r>
+            <a:r>
+              <a:rPr lang="ko-KR" altLang="en-US" dirty="0" err="1" smtClean="0">
+                <a:sym typeface="Wingdings" panose="05000000000000000000" pitchFamily="2" charset="2"/>
+              </a:rPr>
+              <a:t>탭할</a:t>
+            </a:r>
+            <a:r>
+              <a:rPr lang="ko-KR" altLang="en-US" dirty="0" smtClean="0">
+                <a:sym typeface="Wingdings" panose="05000000000000000000" pitchFamily="2" charset="2"/>
+              </a:rPr>
+              <a:t> 시에는 해당 페이지로 이동</a:t>
+            </a:r>
+            <a:endParaRPr lang="en-US" altLang="ko-KR" dirty="0" smtClean="0">
+              <a:sym typeface="Wingdings" panose="05000000000000000000" pitchFamily="2" charset="2"/>
+            </a:endParaRPr>
+          </a:p>
+          <a:p>
+            <a:r>
+              <a:rPr lang="ko-KR" altLang="en-US" dirty="0" smtClean="0">
+                <a:sym typeface="Wingdings" panose="05000000000000000000" pitchFamily="2" charset="2"/>
+              </a:rPr>
+              <a:t>신 </a:t>
+            </a:r>
+            <a:r>
+              <a:rPr lang="en-US" altLang="ko-KR" dirty="0" smtClean="0">
+                <a:sym typeface="Wingdings" panose="05000000000000000000" pitchFamily="2" charset="2"/>
+              </a:rPr>
+              <a:t>: </a:t>
+            </a:r>
+            <a:r>
+              <a:rPr lang="en-US" altLang="ko-KR" dirty="0" err="1" smtClean="0">
+                <a:sym typeface="Wingdings" panose="05000000000000000000" pitchFamily="2" charset="2"/>
+              </a:rPr>
+              <a:t>EditPage</a:t>
+            </a:r>
+            <a:r>
+              <a:rPr lang="ko-KR" altLang="en-US" dirty="0" smtClean="0">
+                <a:sym typeface="Wingdings" panose="05000000000000000000" pitchFamily="2" charset="2"/>
+              </a:rPr>
+              <a:t>를 생성</a:t>
+            </a:r>
+            <a:r>
+              <a:rPr lang="en-US" altLang="ko-KR" dirty="0" smtClean="0">
+                <a:sym typeface="Wingdings" panose="05000000000000000000" pitchFamily="2" charset="2"/>
+              </a:rPr>
+              <a:t>… + </a:t>
+            </a:r>
+            <a:r>
+              <a:rPr lang="ko-KR" altLang="en-US" dirty="0" err="1" smtClean="0">
+                <a:sym typeface="Wingdings" panose="05000000000000000000" pitchFamily="2" charset="2"/>
+              </a:rPr>
+              <a:t>게시글</a:t>
+            </a:r>
+            <a:r>
+              <a:rPr lang="ko-KR" altLang="en-US" dirty="0" smtClean="0">
+                <a:sym typeface="Wingdings" panose="05000000000000000000" pitchFamily="2" charset="2"/>
+              </a:rPr>
+              <a:t> 생성 페이지 </a:t>
+            </a:r>
+            <a:r>
+              <a:rPr lang="en-US" altLang="ko-KR" dirty="0" smtClean="0">
+                <a:sym typeface="Wingdings" panose="05000000000000000000" pitchFamily="2" charset="2"/>
+              </a:rPr>
+              <a:t>Dropdown </a:t>
+            </a:r>
+            <a:r>
+              <a:rPr lang="ko-KR" altLang="en-US" dirty="0" smtClean="0">
+                <a:sym typeface="Wingdings" panose="05000000000000000000" pitchFamily="2" charset="2"/>
+              </a:rPr>
+              <a:t>생성</a:t>
+            </a:r>
+            <a:r>
+              <a:rPr lang="en-US" altLang="ko-KR" dirty="0" smtClean="0">
+                <a:sym typeface="Wingdings" panose="05000000000000000000" pitchFamily="2" charset="2"/>
+              </a:rPr>
+              <a:t>. </a:t>
+            </a:r>
+          </a:p>
+          <a:p>
+            <a:r>
+              <a:rPr lang="ko-KR" altLang="en-US" dirty="0" smtClean="0">
+                <a:sym typeface="Wingdings" panose="05000000000000000000" pitchFamily="2" charset="2"/>
+              </a:rPr>
+              <a:t>주원 </a:t>
+            </a:r>
+            <a:r>
+              <a:rPr lang="en-US" altLang="ko-KR" dirty="0" smtClean="0">
+                <a:sym typeface="Wingdings" panose="05000000000000000000" pitchFamily="2" charset="2"/>
+              </a:rPr>
+              <a:t>: </a:t>
+            </a:r>
+            <a:r>
+              <a:rPr lang="ko-KR" altLang="en-US" dirty="0" err="1" smtClean="0">
+                <a:sym typeface="Wingdings" panose="05000000000000000000" pitchFamily="2" charset="2"/>
+              </a:rPr>
+              <a:t>푸시알림</a:t>
+            </a:r>
+            <a:r>
+              <a:rPr lang="ko-KR" altLang="en-US" dirty="0" smtClean="0">
+                <a:sym typeface="Wingdings" panose="05000000000000000000" pitchFamily="2" charset="2"/>
+              </a:rPr>
+              <a:t> 기능을 하려다가</a:t>
+            </a:r>
+            <a:r>
+              <a:rPr lang="en-US" altLang="ko-KR" dirty="0" smtClean="0">
+                <a:sym typeface="Wingdings" panose="05000000000000000000" pitchFamily="2" charset="2"/>
+              </a:rPr>
+              <a:t>… </a:t>
+            </a:r>
+            <a:r>
+              <a:rPr lang="ko-KR" altLang="en-US" dirty="0" smtClean="0">
+                <a:sym typeface="Wingdings" panose="05000000000000000000" pitchFamily="2" charset="2"/>
+              </a:rPr>
+              <a:t>너무 짜증나서 자잘한 오류들을 수정하는</a:t>
+            </a:r>
+            <a:r>
+              <a:rPr lang="en-US" altLang="ko-KR" dirty="0" smtClean="0">
+                <a:sym typeface="Wingdings" panose="05000000000000000000" pitchFamily="2" charset="2"/>
+              </a:rPr>
+              <a:t>… </a:t>
+            </a:r>
+            <a:r>
+              <a:rPr lang="ko-KR" altLang="en-US" dirty="0" smtClean="0">
+                <a:sym typeface="Wingdings" panose="05000000000000000000" pitchFamily="2" charset="2"/>
+              </a:rPr>
+              <a:t>느낌입니다</a:t>
+            </a:r>
+            <a:r>
+              <a:rPr lang="en-US" altLang="ko-KR" dirty="0" smtClean="0">
+                <a:sym typeface="Wingdings" panose="05000000000000000000" pitchFamily="2" charset="2"/>
+              </a:rPr>
+              <a:t>. </a:t>
+            </a:r>
           </a:p>
         </p:txBody>
       </p:sp>
